--- a/Slides/Mortality.pptx
+++ b/Slides/Mortality.pptx
@@ -269,7 +269,7 @@
               <a:pPr>
                 <a:defRPr/>
               </a:pPr>
-              <a:t>7/22/2016</a:t>
+              <a:t>7/24/2016</a:t>
             </a:fld>
             <a:endParaRPr lang="en-US"/>
           </a:p>
@@ -7539,9 +7539,9 @@
                 <a:avLst/>
               </a:prstGeom>
               <a:noFill/>
-              <a:ln w="21">
-                <a:solidFill>
-                  <a:srgbClr val="FF0000"/>
+              <a:ln w="19050">
+                <a:solidFill>
+                  <a:srgbClr val="3333CC"/>
                 </a:solidFill>
                 <a:prstDash val="solid"/>
                 <a:round/>
@@ -7585,9 +7585,9 @@
                 <a:avLst/>
               </a:prstGeom>
               <a:noFill/>
-              <a:ln w="21">
-                <a:solidFill>
-                  <a:srgbClr val="FF0000"/>
+              <a:ln w="19050">
+                <a:solidFill>
+                  <a:srgbClr val="3333CC"/>
                 </a:solidFill>
                 <a:prstDash val="solid"/>
                 <a:round/>
@@ -7631,9 +7631,9 @@
                 <a:avLst/>
               </a:prstGeom>
               <a:noFill/>
-              <a:ln w="21">
-                <a:solidFill>
-                  <a:srgbClr val="FF0000"/>
+              <a:ln w="19050">
+                <a:solidFill>
+                  <a:srgbClr val="3333CC"/>
                 </a:solidFill>
                 <a:prstDash val="solid"/>
                 <a:round/>
@@ -7677,9 +7677,9 @@
                 <a:avLst/>
               </a:prstGeom>
               <a:noFill/>
-              <a:ln w="21">
-                <a:solidFill>
-                  <a:srgbClr val="FF0000"/>
+              <a:ln w="19050">
+                <a:solidFill>
+                  <a:srgbClr val="3333CC"/>
                 </a:solidFill>
                 <a:prstDash val="solid"/>
                 <a:round/>
@@ -7723,9 +7723,9 @@
                 <a:avLst/>
               </a:prstGeom>
               <a:noFill/>
-              <a:ln w="21">
-                <a:solidFill>
-                  <a:srgbClr val="FF0000"/>
+              <a:ln w="19050">
+                <a:solidFill>
+                  <a:srgbClr val="3333CC"/>
                 </a:solidFill>
                 <a:prstDash val="solid"/>
                 <a:round/>
@@ -7769,9 +7769,9 @@
                 <a:avLst/>
               </a:prstGeom>
               <a:noFill/>
-              <a:ln w="21">
-                <a:solidFill>
-                  <a:srgbClr val="FF0000"/>
+              <a:ln w="19050">
+                <a:solidFill>
+                  <a:srgbClr val="3333CC"/>
                 </a:solidFill>
                 <a:prstDash val="solid"/>
                 <a:round/>
@@ -7815,9 +7815,9 @@
                 <a:avLst/>
               </a:prstGeom>
               <a:noFill/>
-              <a:ln w="21">
-                <a:solidFill>
-                  <a:srgbClr val="FF0000"/>
+              <a:ln w="19050">
+                <a:solidFill>
+                  <a:srgbClr val="3333CC"/>
                 </a:solidFill>
                 <a:prstDash val="solid"/>
                 <a:round/>
@@ -7861,9 +7861,9 @@
                 <a:avLst/>
               </a:prstGeom>
               <a:noFill/>
-              <a:ln w="21">
-                <a:solidFill>
-                  <a:srgbClr val="FF0000"/>
+              <a:ln w="19050">
+                <a:solidFill>
+                  <a:srgbClr val="3333CC"/>
                 </a:solidFill>
                 <a:prstDash val="solid"/>
                 <a:round/>
@@ -7907,9 +7907,9 @@
                 <a:avLst/>
               </a:prstGeom>
               <a:noFill/>
-              <a:ln w="21">
-                <a:solidFill>
-                  <a:srgbClr val="FF0000"/>
+              <a:ln w="19050">
+                <a:solidFill>
+                  <a:srgbClr val="3333CC"/>
                 </a:solidFill>
                 <a:prstDash val="solid"/>
                 <a:round/>
@@ -7953,9 +7953,9 @@
                 <a:avLst/>
               </a:prstGeom>
               <a:noFill/>
-              <a:ln w="21">
-                <a:solidFill>
-                  <a:srgbClr val="FF0000"/>
+              <a:ln w="19050">
+                <a:solidFill>
+                  <a:srgbClr val="3333CC"/>
                 </a:solidFill>
                 <a:prstDash val="solid"/>
                 <a:round/>
@@ -7999,9 +7999,9 @@
                 <a:avLst/>
               </a:prstGeom>
               <a:noFill/>
-              <a:ln w="21">
-                <a:solidFill>
-                  <a:srgbClr val="FF0000"/>
+              <a:ln w="19050">
+                <a:solidFill>
+                  <a:srgbClr val="3333CC"/>
                 </a:solidFill>
                 <a:prstDash val="solid"/>
                 <a:round/>
@@ -8045,9 +8045,9 @@
                 <a:avLst/>
               </a:prstGeom>
               <a:noFill/>
-              <a:ln w="21">
-                <a:solidFill>
-                  <a:srgbClr val="FF0000"/>
+              <a:ln w="19050">
+                <a:solidFill>
+                  <a:srgbClr val="3333CC"/>
                 </a:solidFill>
                 <a:prstDash val="solid"/>
                 <a:round/>
@@ -8091,9 +8091,9 @@
                 <a:avLst/>
               </a:prstGeom>
               <a:noFill/>
-              <a:ln w="21">
-                <a:solidFill>
-                  <a:srgbClr val="FF0000"/>
+              <a:ln w="19050">
+                <a:solidFill>
+                  <a:srgbClr val="3333CC"/>
                 </a:solidFill>
                 <a:prstDash val="solid"/>
                 <a:round/>
@@ -8137,9 +8137,9 @@
                 <a:avLst/>
               </a:prstGeom>
               <a:noFill/>
-              <a:ln w="21">
-                <a:solidFill>
-                  <a:srgbClr val="FF0000"/>
+              <a:ln w="19050">
+                <a:solidFill>
+                  <a:srgbClr val="3333CC"/>
                 </a:solidFill>
                 <a:prstDash val="solid"/>
                 <a:round/>
@@ -18977,9 +18977,9 @@
               <a:avLst/>
             </a:prstGeom>
             <a:noFill/>
-            <a:ln w="14">
+            <a:ln w="19050">
               <a:solidFill>
-                <a:srgbClr val="FF0000"/>
+                <a:srgbClr val="3333CC"/>
               </a:solidFill>
               <a:prstDash val="solid"/>
               <a:round/>
@@ -19023,9 +19023,9 @@
               <a:avLst/>
             </a:prstGeom>
             <a:noFill/>
-            <a:ln w="14">
+            <a:ln w="19050">
               <a:solidFill>
-                <a:srgbClr val="FF0000"/>
+                <a:srgbClr val="3333CC"/>
               </a:solidFill>
               <a:prstDash val="solid"/>
               <a:round/>
@@ -19069,9 +19069,9 @@
               <a:avLst/>
             </a:prstGeom>
             <a:noFill/>
-            <a:ln w="14">
+            <a:ln w="19050">
               <a:solidFill>
-                <a:srgbClr val="FF0000"/>
+                <a:srgbClr val="3333CC"/>
               </a:solidFill>
               <a:prstDash val="solid"/>
               <a:round/>
@@ -19115,9 +19115,9 @@
               <a:avLst/>
             </a:prstGeom>
             <a:noFill/>
-            <a:ln w="14">
+            <a:ln w="19050">
               <a:solidFill>
-                <a:srgbClr val="FF0000"/>
+                <a:srgbClr val="3333CC"/>
               </a:solidFill>
               <a:prstDash val="solid"/>
               <a:round/>
@@ -19161,9 +19161,9 @@
               <a:avLst/>
             </a:prstGeom>
             <a:noFill/>
-            <a:ln w="14">
+            <a:ln w="19050">
               <a:solidFill>
-                <a:srgbClr val="FF0000"/>
+                <a:srgbClr val="3333CC"/>
               </a:solidFill>
               <a:prstDash val="solid"/>
               <a:round/>
@@ -19207,9 +19207,9 @@
               <a:avLst/>
             </a:prstGeom>
             <a:noFill/>
-            <a:ln w="14">
+            <a:ln w="19050">
               <a:solidFill>
-                <a:srgbClr val="FF0000"/>
+                <a:srgbClr val="3333CC"/>
               </a:solidFill>
               <a:prstDash val="solid"/>
               <a:round/>
@@ -19253,9 +19253,9 @@
               <a:avLst/>
             </a:prstGeom>
             <a:noFill/>
-            <a:ln w="14">
+            <a:ln w="19050">
               <a:solidFill>
-                <a:srgbClr val="FF0000"/>
+                <a:srgbClr val="3333CC"/>
               </a:solidFill>
               <a:prstDash val="solid"/>
               <a:round/>
@@ -19299,9 +19299,9 @@
               <a:avLst/>
             </a:prstGeom>
             <a:noFill/>
-            <a:ln w="14">
+            <a:ln w="19050">
               <a:solidFill>
-                <a:srgbClr val="FF0000"/>
+                <a:srgbClr val="3333CC"/>
               </a:solidFill>
               <a:prstDash val="solid"/>
               <a:round/>
@@ -19339,7 +19339,7 @@
           <p:spPr bwMode="auto">
             <a:xfrm>
               <a:off x="4545013" y="2946400"/>
-              <a:ext cx="231775" cy="231775"/>
+              <a:ext cx="168316" cy="215444"/>
             </a:xfrm>
             <a:prstGeom prst="rect">
               <a:avLst/>
@@ -19394,12 +19394,12 @@
                 <a:tabLst/>
               </a:pPr>
               <a:r>
-                <a:rPr kumimoji="0" lang="en-US" sz="1400" b="0" i="0" u="none" strike="noStrike" cap="none" normalizeH="0" baseline="0" smtClean="0">
+                <a:rPr kumimoji="0" lang="en-US" sz="1400" b="0" i="0" u="none" strike="noStrike" cap="none" normalizeH="0" baseline="0" dirty="0" smtClean="0">
                   <a:ln>
                     <a:noFill/>
                   </a:ln>
                   <a:solidFill>
-                    <a:srgbClr val="FF0000"/>
+                    <a:srgbClr val="3333CC"/>
                   </a:solidFill>
                   <a:effectLst/>
                   <a:latin typeface="Arial" pitchFamily="34" charset="0"/>
@@ -19407,12 +19407,12 @@
                 </a:rPr>
                 <a:t>-Z</a:t>
               </a:r>
-              <a:endParaRPr kumimoji="0" lang="en-US" sz="1800" b="0" i="0" u="none" strike="noStrike" cap="none" normalizeH="0" baseline="0" smtClean="0">
+              <a:endParaRPr kumimoji="0" lang="en-US" sz="1800" b="0" i="0" u="none" strike="noStrike" cap="none" normalizeH="0" baseline="0" dirty="0" smtClean="0">
                 <a:ln>
                   <a:noFill/>
                 </a:ln>
                 <a:solidFill>
-                  <a:schemeClr val="tx1"/>
+                  <a:srgbClr val="3333CC"/>
                 </a:solidFill>
                 <a:effectLst/>
                 <a:latin typeface="Arial" pitchFamily="34" charset="0"/>
@@ -19432,7 +19432,7 @@
           <p:spPr bwMode="auto">
             <a:xfrm>
               <a:off x="4894263" y="3276600"/>
-              <a:ext cx="174625" cy="231775"/>
+              <a:ext cx="99386" cy="215444"/>
             </a:xfrm>
             <a:prstGeom prst="rect">
               <a:avLst/>
@@ -19492,7 +19492,7 @@
                     <a:noFill/>
                   </a:ln>
                   <a:solidFill>
-                    <a:srgbClr val="FF0000"/>
+                    <a:srgbClr val="3333CC"/>
                   </a:solidFill>
                   <a:effectLst/>
                   <a:latin typeface="Arial" pitchFamily="34" charset="0"/>
@@ -19505,7 +19505,7 @@
                   <a:noFill/>
                 </a:ln>
                 <a:solidFill>
-                  <a:schemeClr val="tx1"/>
+                  <a:srgbClr val="3333CC"/>
                 </a:solidFill>
                 <a:effectLst/>
                 <a:latin typeface="Arial" pitchFamily="34" charset="0"/>
@@ -19531,9 +19531,9 @@
               <a:avLst/>
             </a:prstGeom>
             <a:noFill/>
-            <a:ln w="14">
+            <a:ln w="19050">
               <a:solidFill>
-                <a:srgbClr val="FF0000"/>
+                <a:srgbClr val="3333CC"/>
               </a:solidFill>
               <a:prstDash val="solid"/>
               <a:round/>
@@ -19577,9 +19577,9 @@
               <a:avLst/>
             </a:prstGeom>
             <a:noFill/>
-            <a:ln w="14">
+            <a:ln w="19050">
               <a:solidFill>
-                <a:srgbClr val="FF0000"/>
+                <a:srgbClr val="3333CC"/>
               </a:solidFill>
               <a:prstDash val="solid"/>
               <a:round/>
@@ -19623,9 +19623,9 @@
               <a:avLst/>
             </a:prstGeom>
             <a:noFill/>
-            <a:ln w="14">
+            <a:ln w="19050">
               <a:solidFill>
-                <a:srgbClr val="FF0000"/>
+                <a:srgbClr val="3333CC"/>
               </a:solidFill>
               <a:prstDash val="solid"/>
               <a:round/>
@@ -19669,9 +19669,9 @@
               <a:avLst/>
             </a:prstGeom>
             <a:noFill/>
-            <a:ln w="14">
+            <a:ln w="19050">
               <a:solidFill>
-                <a:srgbClr val="FF0000"/>
+                <a:srgbClr val="3333CC"/>
               </a:solidFill>
               <a:prstDash val="solid"/>
               <a:round/>
@@ -19715,9 +19715,9 @@
               <a:avLst/>
             </a:prstGeom>
             <a:noFill/>
-            <a:ln w="14">
+            <a:ln w="19050">
               <a:solidFill>
-                <a:srgbClr val="FF0000"/>
+                <a:srgbClr val="3333CC"/>
               </a:solidFill>
               <a:prstDash val="solid"/>
               <a:round/>
@@ -19761,9 +19761,9 @@
               <a:avLst/>
             </a:prstGeom>
             <a:noFill/>
-            <a:ln w="14">
+            <a:ln w="19050">
               <a:solidFill>
-                <a:srgbClr val="FF0000"/>
+                <a:srgbClr val="3333CC"/>
               </a:solidFill>
               <a:prstDash val="solid"/>
               <a:round/>
@@ -19807,9 +19807,9 @@
               <a:avLst/>
             </a:prstGeom>
             <a:noFill/>
-            <a:ln w="14">
+            <a:ln w="19050">
               <a:solidFill>
-                <a:srgbClr val="FF0000"/>
+                <a:srgbClr val="3333CC"/>
               </a:solidFill>
               <a:prstDash val="solid"/>
               <a:round/>
@@ -19853,9 +19853,9 @@
               <a:avLst/>
             </a:prstGeom>
             <a:noFill/>
-            <a:ln w="14">
+            <a:ln w="19050">
               <a:solidFill>
-                <a:srgbClr val="FF0000"/>
+                <a:srgbClr val="3333CC"/>
               </a:solidFill>
               <a:prstDash val="solid"/>
               <a:round/>
@@ -19893,7 +19893,7 @@
           <p:spPr bwMode="auto">
             <a:xfrm>
               <a:off x="5527675" y="3927475"/>
-              <a:ext cx="231775" cy="231775"/>
+              <a:ext cx="168316" cy="215444"/>
             </a:xfrm>
             <a:prstGeom prst="rect">
               <a:avLst/>
@@ -19953,7 +19953,7 @@
                     <a:noFill/>
                   </a:ln>
                   <a:solidFill>
-                    <a:srgbClr val="FF0000"/>
+                    <a:srgbClr val="3333CC"/>
                   </a:solidFill>
                   <a:effectLst/>
                   <a:latin typeface="Arial" pitchFamily="34" charset="0"/>
@@ -19966,7 +19966,7 @@
                   <a:noFill/>
                 </a:ln>
                 <a:solidFill>
-                  <a:schemeClr val="tx1"/>
+                  <a:srgbClr val="3333CC"/>
                 </a:solidFill>
                 <a:effectLst/>
                 <a:latin typeface="Arial" pitchFamily="34" charset="0"/>
@@ -19986,7 +19986,7 @@
           <p:spPr bwMode="auto">
             <a:xfrm>
               <a:off x="5876925" y="4248150"/>
-              <a:ext cx="174625" cy="231775"/>
+              <a:ext cx="99386" cy="215444"/>
             </a:xfrm>
             <a:prstGeom prst="rect">
               <a:avLst/>
@@ -20046,7 +20046,7 @@
                     <a:noFill/>
                   </a:ln>
                   <a:solidFill>
-                    <a:srgbClr val="FF0000"/>
+                    <a:srgbClr val="3333CC"/>
                   </a:solidFill>
                   <a:effectLst/>
                   <a:latin typeface="Arial" pitchFamily="34" charset="0"/>
@@ -20059,7 +20059,7 @@
                   <a:noFill/>
                 </a:ln>
                 <a:solidFill>
-                  <a:schemeClr val="tx1"/>
+                  <a:srgbClr val="3333CC"/>
                 </a:solidFill>
                 <a:effectLst/>
                 <a:latin typeface="Arial" pitchFamily="34" charset="0"/>
@@ -21808,7 +21808,7 @@
             <a:r>
               <a:rPr lang="en-US" sz="2000" b="1" dirty="0" smtClean="0">
                 <a:solidFill>
-                  <a:srgbClr val="FF0000"/>
+                  <a:srgbClr val="3333CC"/>
                 </a:solidFill>
               </a:rPr>
               <a:t>Catch-at-age across several capture years.</a:t>
@@ -21829,7 +21829,7 @@
             </a:pPr>
             <a:endParaRPr lang="en-US" sz="400" b="1" dirty="0" smtClean="0">
               <a:solidFill>
-                <a:srgbClr val="FF0000"/>
+                <a:srgbClr val="3333CC"/>
               </a:solidFill>
             </a:endParaRPr>
           </a:p>
@@ -22628,13 +22628,8 @@
           <a:p>
             <a:r>
               <a:rPr lang="en-US" sz="2800" dirty="0" smtClean="0"/>
-              <a:t>q is </a:t>
+              <a:t>q is constant.</a:t>
             </a:r>
-            <a:r>
-              <a:rPr lang="en-US" sz="2800" dirty="0" smtClean="0"/>
-              <a:t>constant.</a:t>
-            </a:r>
-            <a:endParaRPr lang="en-US" sz="2800" dirty="0" smtClean="0"/>
           </a:p>
           <a:p>
             <a:endParaRPr lang="en-US" sz="1200" dirty="0" smtClean="0"/>
